--- a/中国古典诗歌研究与赏析/孔雀东南飞/讨论.pptx
+++ b/中国古典诗歌研究与赏析/孔雀东南飞/讨论.pptx
@@ -108,6 +108,11 @@
       </a:defRPr>
     </a:lvl9pPr>
   </p:defaultTextStyle>
+  <p:extLst>
+    <p:ext uri="{EFAFB233-063F-42B5-8137-9DF3F51BA10A}">
+      <p15:sldGuideLst xmlns:p15="http://schemas.microsoft.com/office/powerpoint/2012/main"/>
+    </p:ext>
+  </p:extLst>
 </p:presentation>
 </file>
 
@@ -258,7 +263,7 @@
           <a:p>
             <a:fld id="{321ED350-10DD-4028-9873-C1A9870F2726}" type="datetimeFigureOut">
               <a:rPr lang="zh-CN" altLang="en-US" smtClean="0"/>
-              <a:t>2024/3/26</a:t>
+              <a:t>2024/4/26</a:t>
             </a:fld>
             <a:endParaRPr lang="zh-CN" altLang="en-US"/>
           </a:p>
@@ -456,7 +461,7 @@
           <a:p>
             <a:fld id="{321ED350-10DD-4028-9873-C1A9870F2726}" type="datetimeFigureOut">
               <a:rPr lang="zh-CN" altLang="en-US" smtClean="0"/>
-              <a:t>2024/3/26</a:t>
+              <a:t>2024/4/26</a:t>
             </a:fld>
             <a:endParaRPr lang="zh-CN" altLang="en-US"/>
           </a:p>
@@ -664,7 +669,7 @@
           <a:p>
             <a:fld id="{321ED350-10DD-4028-9873-C1A9870F2726}" type="datetimeFigureOut">
               <a:rPr lang="zh-CN" altLang="en-US" smtClean="0"/>
-              <a:t>2024/3/26</a:t>
+              <a:t>2024/4/26</a:t>
             </a:fld>
             <a:endParaRPr lang="zh-CN" altLang="en-US"/>
           </a:p>
@@ -862,7 +867,7 @@
           <a:p>
             <a:fld id="{321ED350-10DD-4028-9873-C1A9870F2726}" type="datetimeFigureOut">
               <a:rPr lang="zh-CN" altLang="en-US" smtClean="0"/>
-              <a:t>2024/3/26</a:t>
+              <a:t>2024/4/26</a:t>
             </a:fld>
             <a:endParaRPr lang="zh-CN" altLang="en-US"/>
           </a:p>
@@ -1137,7 +1142,7 @@
           <a:p>
             <a:fld id="{321ED350-10DD-4028-9873-C1A9870F2726}" type="datetimeFigureOut">
               <a:rPr lang="zh-CN" altLang="en-US" smtClean="0"/>
-              <a:t>2024/3/26</a:t>
+              <a:t>2024/4/26</a:t>
             </a:fld>
             <a:endParaRPr lang="zh-CN" altLang="en-US"/>
           </a:p>
@@ -1402,7 +1407,7 @@
           <a:p>
             <a:fld id="{321ED350-10DD-4028-9873-C1A9870F2726}" type="datetimeFigureOut">
               <a:rPr lang="zh-CN" altLang="en-US" smtClean="0"/>
-              <a:t>2024/3/26</a:t>
+              <a:t>2024/4/26</a:t>
             </a:fld>
             <a:endParaRPr lang="zh-CN" altLang="en-US"/>
           </a:p>
@@ -1814,7 +1819,7 @@
           <a:p>
             <a:fld id="{321ED350-10DD-4028-9873-C1A9870F2726}" type="datetimeFigureOut">
               <a:rPr lang="zh-CN" altLang="en-US" smtClean="0"/>
-              <a:t>2024/3/26</a:t>
+              <a:t>2024/4/26</a:t>
             </a:fld>
             <a:endParaRPr lang="zh-CN" altLang="en-US"/>
           </a:p>
@@ -1955,7 +1960,7 @@
           <a:p>
             <a:fld id="{321ED350-10DD-4028-9873-C1A9870F2726}" type="datetimeFigureOut">
               <a:rPr lang="zh-CN" altLang="en-US" smtClean="0"/>
-              <a:t>2024/3/26</a:t>
+              <a:t>2024/4/26</a:t>
             </a:fld>
             <a:endParaRPr lang="zh-CN" altLang="en-US"/>
           </a:p>
@@ -2068,7 +2073,7 @@
           <a:p>
             <a:fld id="{321ED350-10DD-4028-9873-C1A9870F2726}" type="datetimeFigureOut">
               <a:rPr lang="zh-CN" altLang="en-US" smtClean="0"/>
-              <a:t>2024/3/26</a:t>
+              <a:t>2024/4/26</a:t>
             </a:fld>
             <a:endParaRPr lang="zh-CN" altLang="en-US"/>
           </a:p>
@@ -2379,7 +2384,7 @@
           <a:p>
             <a:fld id="{321ED350-10DD-4028-9873-C1A9870F2726}" type="datetimeFigureOut">
               <a:rPr lang="zh-CN" altLang="en-US" smtClean="0"/>
-              <a:t>2024/3/26</a:t>
+              <a:t>2024/4/26</a:t>
             </a:fld>
             <a:endParaRPr lang="zh-CN" altLang="en-US"/>
           </a:p>
@@ -2667,7 +2672,7 @@
           <a:p>
             <a:fld id="{321ED350-10DD-4028-9873-C1A9870F2726}" type="datetimeFigureOut">
               <a:rPr lang="zh-CN" altLang="en-US" smtClean="0"/>
-              <a:t>2024/3/26</a:t>
+              <a:t>2024/4/26</a:t>
             </a:fld>
             <a:endParaRPr lang="zh-CN" altLang="en-US"/>
           </a:p>
@@ -2908,7 +2913,7 @@
           <a:p>
             <a:fld id="{321ED350-10DD-4028-9873-C1A9870F2726}" type="datetimeFigureOut">
               <a:rPr lang="zh-CN" altLang="en-US" smtClean="0"/>
-              <a:t>2024/3/26</a:t>
+              <a:t>2024/4/26</a:t>
             </a:fld>
             <a:endParaRPr lang="zh-CN" altLang="en-US"/>
           </a:p>
@@ -3517,13 +3522,13 @@
   <p:clrMapOvr>
     <a:masterClrMapping/>
   </p:clrMapOvr>
-  <mc:AlternateContent xmlns:mc="http://schemas.openxmlformats.org/markup-compatibility/2006">
-    <mc:Choice xmlns:p14="http://schemas.microsoft.com/office/powerpoint/2010/main" Requires="p14">
+  <mc:AlternateContent xmlns:mc="http://schemas.openxmlformats.org/markup-compatibility/2006" xmlns:p14="http://schemas.microsoft.com/office/powerpoint/2010/main">
+    <mc:Choice Requires="p14">
       <p:transition spd="med" p14:dur="700">
         <p:fade/>
       </p:transition>
     </mc:Choice>
-    <mc:Fallback>
+    <mc:Fallback xmlns="">
       <p:transition spd="med">
         <p:fade/>
       </p:transition>
@@ -3663,13 +3668,13 @@
   <p:clrMapOvr>
     <a:masterClrMapping/>
   </p:clrMapOvr>
-  <mc:AlternateContent xmlns:mc="http://schemas.openxmlformats.org/markup-compatibility/2006">
-    <mc:Choice xmlns:p14="http://schemas.microsoft.com/office/powerpoint/2010/main" Requires="p14">
+  <mc:AlternateContent xmlns:mc="http://schemas.openxmlformats.org/markup-compatibility/2006" xmlns:p14="http://schemas.microsoft.com/office/powerpoint/2010/main">
+    <mc:Choice Requires="p14">
       <p:transition spd="med" p14:dur="700">
         <p:fade/>
       </p:transition>
     </mc:Choice>
-    <mc:Fallback>
+    <mc:Fallback xmlns="">
       <p:transition spd="med">
         <p:fade/>
       </p:transition>
@@ -3930,13 +3935,13 @@
   <p:clrMapOvr>
     <a:masterClrMapping/>
   </p:clrMapOvr>
-  <mc:AlternateContent xmlns:mc="http://schemas.openxmlformats.org/markup-compatibility/2006">
-    <mc:Choice xmlns:p14="http://schemas.microsoft.com/office/powerpoint/2010/main" Requires="p14">
+  <mc:AlternateContent xmlns:mc="http://schemas.openxmlformats.org/markup-compatibility/2006" xmlns:p14="http://schemas.microsoft.com/office/powerpoint/2010/main">
+    <mc:Choice Requires="p14">
       <p:transition spd="med" p14:dur="700">
         <p:fade/>
       </p:transition>
     </mc:Choice>
-    <mc:Fallback>
+    <mc:Fallback xmlns="">
       <p:transition spd="med">
         <p:fade/>
       </p:transition>
@@ -4169,7 +4174,7 @@
       <p:bldP spid="4" grpId="0"/>
       <p:bldP spid="5" grpId="0"/>
       <p:bldP spid="6" grpId="0" animBg="1"/>
-      <p:bldP spid="7" grpId="0"/>
+      <p:bldP spid="7" grpId="0" animBg="1"/>
     </p:bldLst>
   </p:timing>
 </p:sld>
@@ -4473,13 +4478,13 @@
   <p:clrMapOvr>
     <a:masterClrMapping/>
   </p:clrMapOvr>
-  <mc:AlternateContent xmlns:mc="http://schemas.openxmlformats.org/markup-compatibility/2006">
-    <mc:Choice xmlns:p14="http://schemas.microsoft.com/office/powerpoint/2010/main" Requires="p14">
+  <mc:AlternateContent xmlns:mc="http://schemas.openxmlformats.org/markup-compatibility/2006" xmlns:p14="http://schemas.microsoft.com/office/powerpoint/2010/main">
+    <mc:Choice Requires="p14">
       <p:transition spd="med" p14:dur="700">
         <p:fade/>
       </p:transition>
     </mc:Choice>
-    <mc:Fallback>
+    <mc:Fallback xmlns="">
       <p:transition spd="med">
         <p:fade/>
       </p:transition>
@@ -5524,13 +5529,13 @@
   <p:clrMapOvr>
     <a:masterClrMapping/>
   </p:clrMapOvr>
-  <mc:AlternateContent xmlns:mc="http://schemas.openxmlformats.org/markup-compatibility/2006">
-    <mc:Choice xmlns:p14="http://schemas.microsoft.com/office/powerpoint/2010/main" Requires="p14">
+  <mc:AlternateContent xmlns:mc="http://schemas.openxmlformats.org/markup-compatibility/2006" xmlns:p14="http://schemas.microsoft.com/office/powerpoint/2010/main">
+    <mc:Choice Requires="p14">
       <p:transition spd="med" p14:dur="700">
         <p:fade/>
       </p:transition>
     </mc:Choice>
-    <mc:Fallback>
+    <mc:Fallback xmlns="">
       <p:transition spd="med">
         <p:fade/>
       </p:transition>
